--- a/Hydro/viscosite..pptx
+++ b/Hydro/viscosite..pptx
@@ -250,7 +250,7 @@
           <a:p>
             <a:fld id="{C262451B-073C-4FAC-8D0B-6648421A7945}" type="datetimeFigureOut">
               <a:rPr lang="fr-FR" smtClean="0"/>
-              <a:t>02/06/2020</a:t>
+              <a:t>21/06/2020</a:t>
             </a:fld>
             <a:endParaRPr lang="fr-FR"/>
           </a:p>
@@ -420,7 +420,7 @@
           <a:p>
             <a:fld id="{C262451B-073C-4FAC-8D0B-6648421A7945}" type="datetimeFigureOut">
               <a:rPr lang="fr-FR" smtClean="0"/>
-              <a:t>02/06/2020</a:t>
+              <a:t>21/06/2020</a:t>
             </a:fld>
             <a:endParaRPr lang="fr-FR"/>
           </a:p>
@@ -600,7 +600,7 @@
           <a:p>
             <a:fld id="{C262451B-073C-4FAC-8D0B-6648421A7945}" type="datetimeFigureOut">
               <a:rPr lang="fr-FR" smtClean="0"/>
-              <a:t>02/06/2020</a:t>
+              <a:t>21/06/2020</a:t>
             </a:fld>
             <a:endParaRPr lang="fr-FR"/>
           </a:p>
@@ -770,7 +770,7 @@
           <a:p>
             <a:fld id="{C262451B-073C-4FAC-8D0B-6648421A7945}" type="datetimeFigureOut">
               <a:rPr lang="fr-FR" smtClean="0"/>
-              <a:t>02/06/2020</a:t>
+              <a:t>21/06/2020</a:t>
             </a:fld>
             <a:endParaRPr lang="fr-FR"/>
           </a:p>
@@ -1016,7 +1016,7 @@
           <a:p>
             <a:fld id="{C262451B-073C-4FAC-8D0B-6648421A7945}" type="datetimeFigureOut">
               <a:rPr lang="fr-FR" smtClean="0"/>
-              <a:t>02/06/2020</a:t>
+              <a:t>21/06/2020</a:t>
             </a:fld>
             <a:endParaRPr lang="fr-FR"/>
           </a:p>
@@ -1248,7 +1248,7 @@
           <a:p>
             <a:fld id="{C262451B-073C-4FAC-8D0B-6648421A7945}" type="datetimeFigureOut">
               <a:rPr lang="fr-FR" smtClean="0"/>
-              <a:t>02/06/2020</a:t>
+              <a:t>21/06/2020</a:t>
             </a:fld>
             <a:endParaRPr lang="fr-FR"/>
           </a:p>
@@ -1615,7 +1615,7 @@
           <a:p>
             <a:fld id="{C262451B-073C-4FAC-8D0B-6648421A7945}" type="datetimeFigureOut">
               <a:rPr lang="fr-FR" smtClean="0"/>
-              <a:t>02/06/2020</a:t>
+              <a:t>21/06/2020</a:t>
             </a:fld>
             <a:endParaRPr lang="fr-FR"/>
           </a:p>
@@ -1733,7 +1733,7 @@
           <a:p>
             <a:fld id="{C262451B-073C-4FAC-8D0B-6648421A7945}" type="datetimeFigureOut">
               <a:rPr lang="fr-FR" smtClean="0"/>
-              <a:t>02/06/2020</a:t>
+              <a:t>21/06/2020</a:t>
             </a:fld>
             <a:endParaRPr lang="fr-FR"/>
           </a:p>
@@ -1828,7 +1828,7 @@
           <a:p>
             <a:fld id="{C262451B-073C-4FAC-8D0B-6648421A7945}" type="datetimeFigureOut">
               <a:rPr lang="fr-FR" smtClean="0"/>
-              <a:t>02/06/2020</a:t>
+              <a:t>21/06/2020</a:t>
             </a:fld>
             <a:endParaRPr lang="fr-FR"/>
           </a:p>
@@ -2105,7 +2105,7 @@
           <a:p>
             <a:fld id="{C262451B-073C-4FAC-8D0B-6648421A7945}" type="datetimeFigureOut">
               <a:rPr lang="fr-FR" smtClean="0"/>
-              <a:t>02/06/2020</a:t>
+              <a:t>21/06/2020</a:t>
             </a:fld>
             <a:endParaRPr lang="fr-FR"/>
           </a:p>
@@ -2358,7 +2358,7 @@
           <a:p>
             <a:fld id="{C262451B-073C-4FAC-8D0B-6648421A7945}" type="datetimeFigureOut">
               <a:rPr lang="fr-FR" smtClean="0"/>
-              <a:t>02/06/2020</a:t>
+              <a:t>21/06/2020</a:t>
             </a:fld>
             <a:endParaRPr lang="fr-FR"/>
           </a:p>
@@ -2571,7 +2571,7 @@
           <a:p>
             <a:fld id="{C262451B-073C-4FAC-8D0B-6648421A7945}" type="datetimeFigureOut">
               <a:rPr lang="fr-FR" smtClean="0"/>
-              <a:t>02/06/2020</a:t>
+              <a:t>21/06/2020</a:t>
             </a:fld>
             <a:endParaRPr lang="fr-FR"/>
           </a:p>
@@ -3005,7 +3005,15 @@
                   <a:srgbClr val="0070C0"/>
                 </a:solidFill>
               </a:rPr>
-              <a:t>LP03 : Notion de viscosité d’un fluide 		Ecoulement visqueux</a:t>
+              <a:t>Notion </a:t>
+            </a:r>
+            <a:r>
+              <a:rPr lang="fr-FR" b="1" dirty="0" smtClean="0">
+                <a:solidFill>
+                  <a:srgbClr val="0070C0"/>
+                </a:solidFill>
+              </a:rPr>
+              <a:t>de viscosité d’un fluide 		Ecoulement visqueux</a:t>
             </a:r>
             <a:endParaRPr lang="fr-FR" dirty="0">
               <a:solidFill>
@@ -5370,8 +5378,8 @@
           </a:p>
         </p:txBody>
       </p:sp>
-      <mc:AlternateContent xmlns:mc="http://schemas.openxmlformats.org/markup-compatibility/2006">
-        <mc:Choice xmlns:a14="http://schemas.microsoft.com/office/drawing/2010/main" Requires="a14">
+      <mc:AlternateContent xmlns:mc="http://schemas.openxmlformats.org/markup-compatibility/2006" xmlns:a14="http://schemas.microsoft.com/office/drawing/2010/main">
+        <mc:Choice Requires="a14">
           <p:sp>
             <p:nvSpPr>
               <p:cNvPr id="10" name="TextBox 9"/>
@@ -5394,6 +5402,7 @@
               </a:bodyPr>
               <a:lstStyle/>
               <a:p>
+                <a:pPr/>
                 <a14:m>
                   <m:oMathPara xmlns:m="http://schemas.openxmlformats.org/officeDocument/2006/math">
                     <m:oMathParaPr>
@@ -5445,7 +5454,7 @@
             </p:txBody>
           </p:sp>
         </mc:Choice>
-        <mc:Fallback>
+        <mc:Fallback xmlns="">
           <p:sp>
             <p:nvSpPr>
               <p:cNvPr id="10" name="TextBox 9"/>
@@ -5484,8 +5493,8 @@
           </p:sp>
         </mc:Fallback>
       </mc:AlternateContent>
-      <mc:AlternateContent xmlns:mc="http://schemas.openxmlformats.org/markup-compatibility/2006">
-        <mc:Choice xmlns:a14="http://schemas.microsoft.com/office/drawing/2010/main" Requires="a14">
+      <mc:AlternateContent xmlns:mc="http://schemas.openxmlformats.org/markup-compatibility/2006" xmlns:a14="http://schemas.microsoft.com/office/drawing/2010/main">
+        <mc:Choice Requires="a14">
           <p:sp>
             <p:nvSpPr>
               <p:cNvPr id="12" name="TextBox 11"/>
@@ -5508,6 +5517,7 @@
               </a:bodyPr>
               <a:lstStyle/>
               <a:p>
+                <a:pPr/>
                 <a14:m>
                   <m:oMathPara xmlns:m="http://schemas.openxmlformats.org/officeDocument/2006/math">
                     <m:oMathParaPr>
@@ -5562,7 +5572,7 @@
             </p:txBody>
           </p:sp>
         </mc:Choice>
-        <mc:Fallback>
+        <mc:Fallback xmlns="">
           <p:sp>
             <p:nvSpPr>
               <p:cNvPr id="12" name="TextBox 11"/>
@@ -5601,8 +5611,8 @@
           </p:sp>
         </mc:Fallback>
       </mc:AlternateContent>
-      <mc:AlternateContent xmlns:mc="http://schemas.openxmlformats.org/markup-compatibility/2006">
-        <mc:Choice xmlns:a14="http://schemas.microsoft.com/office/drawing/2010/main" Requires="a14">
+      <mc:AlternateContent xmlns:mc="http://schemas.openxmlformats.org/markup-compatibility/2006" xmlns:a14="http://schemas.microsoft.com/office/drawing/2010/main">
+        <mc:Choice Requires="a14">
           <p:sp>
             <p:nvSpPr>
               <p:cNvPr id="13" name="TextBox 12"/>
@@ -5625,6 +5635,7 @@
               </a:bodyPr>
               <a:lstStyle/>
               <a:p>
+                <a:pPr/>
                 <a14:m>
                   <m:oMathPara xmlns:m="http://schemas.openxmlformats.org/officeDocument/2006/math">
                     <m:oMathParaPr>
@@ -5676,7 +5687,7 @@
             </p:txBody>
           </p:sp>
         </mc:Choice>
-        <mc:Fallback>
+        <mc:Fallback xmlns="">
           <p:sp>
             <p:nvSpPr>
               <p:cNvPr id="13" name="TextBox 12"/>
@@ -8730,11 +8741,11 @@
   <p:clrMapOvr>
     <a:masterClrMapping/>
   </p:clrMapOvr>
-  <mc:AlternateContent xmlns:mc="http://schemas.openxmlformats.org/markup-compatibility/2006">
-    <mc:Choice xmlns:p14="http://schemas.microsoft.com/office/powerpoint/2010/main" Requires="p14">
+  <mc:AlternateContent xmlns:mc="http://schemas.openxmlformats.org/markup-compatibility/2006" xmlns:p14="http://schemas.microsoft.com/office/powerpoint/2010/main">
+    <mc:Choice Requires="p14">
       <p:transition spd="slow" p14:dur="2000"/>
     </mc:Choice>
-    <mc:Fallback>
+    <mc:Fallback xmlns="">
       <p:transition spd="slow"/>
     </mc:Fallback>
   </mc:AlternateContent>
